--- a/傳揚祢大愛.pptx
+++ b/傳揚祢大愛.pptx
@@ -290,7 +290,7 @@
           <a:p>
             <a:fld id="{2E63501D-B2C4-4108-AA06-546DDE7D555E}" type="datetimeFigureOut">
               <a:rPr lang="en-US" smtClean="0"/>
-              <a:t>9/26/2019</a:t>
+              <a:t>9/28/2019</a:t>
             </a:fld>
             <a:endParaRPr lang="en-US"/>
           </a:p>
@@ -455,7 +455,7 @@
           <a:p>
             <a:fld id="{2E63501D-B2C4-4108-AA06-546DDE7D555E}" type="datetimeFigureOut">
               <a:rPr lang="en-US" smtClean="0"/>
-              <a:t>9/26/2019</a:t>
+              <a:t>9/28/2019</a:t>
             </a:fld>
             <a:endParaRPr lang="en-US"/>
           </a:p>
@@ -630,7 +630,7 @@
           <a:p>
             <a:fld id="{2E63501D-B2C4-4108-AA06-546DDE7D555E}" type="datetimeFigureOut">
               <a:rPr lang="en-US" smtClean="0"/>
-              <a:t>9/26/2019</a:t>
+              <a:t>9/28/2019</a:t>
             </a:fld>
             <a:endParaRPr lang="en-US"/>
           </a:p>
@@ -795,7 +795,7 @@
           <a:p>
             <a:fld id="{2E63501D-B2C4-4108-AA06-546DDE7D555E}" type="datetimeFigureOut">
               <a:rPr lang="en-US" smtClean="0"/>
-              <a:t>9/26/2019</a:t>
+              <a:t>9/28/2019</a:t>
             </a:fld>
             <a:endParaRPr lang="en-US"/>
           </a:p>
@@ -1036,7 +1036,7 @@
           <a:p>
             <a:fld id="{2E63501D-B2C4-4108-AA06-546DDE7D555E}" type="datetimeFigureOut">
               <a:rPr lang="en-US" smtClean="0"/>
-              <a:t>9/26/2019</a:t>
+              <a:t>9/28/2019</a:t>
             </a:fld>
             <a:endParaRPr lang="en-US"/>
           </a:p>
@@ -1319,7 +1319,7 @@
           <a:p>
             <a:fld id="{2E63501D-B2C4-4108-AA06-546DDE7D555E}" type="datetimeFigureOut">
               <a:rPr lang="en-US" smtClean="0"/>
-              <a:t>9/26/2019</a:t>
+              <a:t>9/28/2019</a:t>
             </a:fld>
             <a:endParaRPr lang="en-US"/>
           </a:p>
@@ -1736,7 +1736,7 @@
           <a:p>
             <a:fld id="{2E63501D-B2C4-4108-AA06-546DDE7D555E}" type="datetimeFigureOut">
               <a:rPr lang="en-US" smtClean="0"/>
-              <a:t>9/26/2019</a:t>
+              <a:t>9/28/2019</a:t>
             </a:fld>
             <a:endParaRPr lang="en-US"/>
           </a:p>
@@ -1849,7 +1849,7 @@
           <a:p>
             <a:fld id="{2E63501D-B2C4-4108-AA06-546DDE7D555E}" type="datetimeFigureOut">
               <a:rPr lang="en-US" smtClean="0"/>
-              <a:t>9/26/2019</a:t>
+              <a:t>9/28/2019</a:t>
             </a:fld>
             <a:endParaRPr lang="en-US"/>
           </a:p>
@@ -1939,7 +1939,7 @@
           <a:p>
             <a:fld id="{2E63501D-B2C4-4108-AA06-546DDE7D555E}" type="datetimeFigureOut">
               <a:rPr lang="en-US" smtClean="0"/>
-              <a:t>9/26/2019</a:t>
+              <a:t>9/28/2019</a:t>
             </a:fld>
             <a:endParaRPr lang="en-US"/>
           </a:p>
@@ -2211,7 +2211,7 @@
           <a:p>
             <a:fld id="{2E63501D-B2C4-4108-AA06-546DDE7D555E}" type="datetimeFigureOut">
               <a:rPr lang="en-US" smtClean="0"/>
-              <a:t>9/26/2019</a:t>
+              <a:t>9/28/2019</a:t>
             </a:fld>
             <a:endParaRPr lang="en-US"/>
           </a:p>
@@ -2463,7 +2463,7 @@
           <a:p>
             <a:fld id="{2E63501D-B2C4-4108-AA06-546DDE7D555E}" type="datetimeFigureOut">
               <a:rPr lang="en-US" smtClean="0"/>
-              <a:t>9/26/2019</a:t>
+              <a:t>9/28/2019</a:t>
             </a:fld>
             <a:endParaRPr lang="en-US"/>
           </a:p>
@@ -2676,7 +2676,7 @@
           <a:p>
             <a:fld id="{2E63501D-B2C4-4108-AA06-546DDE7D555E}" type="datetimeFigureOut">
               <a:rPr lang="en-US" smtClean="0"/>
-              <a:t>9/26/2019</a:t>
+              <a:t>9/28/2019</a:t>
             </a:fld>
             <a:endParaRPr lang="en-US"/>
           </a:p>
@@ -3287,14 +3287,30 @@
                 <a:latin typeface="Microsoft JhengHei" pitchFamily="34" charset="-120"/>
                 <a:ea typeface="Microsoft JhengHei" pitchFamily="34" charset="-120"/>
               </a:rPr>
-              <a:t>惟有主你內找到盼</a:t>
+              <a:t>快將福音傳到萬邦</a:t>
+            </a:r>
+            <a:endParaRPr lang="en-US" altLang="zh-CN" sz="4800" b="1" dirty="0">
+              <a:latin typeface="Microsoft JhengHei" pitchFamily="34" charset="-120"/>
+              <a:ea typeface="Microsoft JhengHei" pitchFamily="34" charset="-120"/>
+            </a:endParaRPr>
+          </a:p>
+          <a:p>
+            <a:pPr marL="0" indent="0" algn="ctr">
+              <a:buNone/>
+            </a:pPr>
+            <a:r>
+              <a:rPr lang="zh-CN" altLang="en-US" sz="4800" b="1" dirty="0" smtClean="0">
+                <a:latin typeface="Microsoft JhengHei" pitchFamily="34" charset="-120"/>
+                <a:ea typeface="Microsoft JhengHei" pitchFamily="34" charset="-120"/>
+              </a:rPr>
+              <a:t>惟</a:t>
             </a:r>
             <a:r>
               <a:rPr lang="zh-CN" altLang="en-US" sz="4800" b="1" dirty="0">
                 <a:latin typeface="Microsoft JhengHei" pitchFamily="34" charset="-120"/>
                 <a:ea typeface="Microsoft JhengHei" pitchFamily="34" charset="-120"/>
               </a:rPr>
-              <a:t>望</a:t>
+              <a:t>有主你內找到盼望</a:t>
             </a:r>
             <a:endParaRPr lang="en-US" altLang="zh-CN" sz="4800" b="1" dirty="0">
               <a:latin typeface="Microsoft JhengHei" pitchFamily="34" charset="-120"/>
@@ -3310,81 +3326,51 @@
                 <a:latin typeface="Microsoft JhengHei" pitchFamily="34" charset="-120"/>
                 <a:ea typeface="Microsoft JhengHei" pitchFamily="34" charset="-120"/>
               </a:rPr>
-              <a:t>報</a:t>
+              <a:t>報福音的</a:t>
+            </a:r>
+            <a:r>
+              <a:rPr lang="zh-CN" altLang="en-US" sz="4800" b="1" dirty="0" smtClean="0">
+                <a:latin typeface="Microsoft JhengHei" pitchFamily="34" charset="-120"/>
+                <a:ea typeface="Microsoft JhengHei" pitchFamily="34" charset="-120"/>
+              </a:rPr>
+              <a:t>人</a:t>
+            </a:r>
+            <a:r>
+              <a:rPr lang="en-US" altLang="zh-CN" sz="4800" b="1" dirty="0">
+                <a:latin typeface="Microsoft JhengHei" pitchFamily="34" charset="-120"/>
+                <a:ea typeface="Microsoft JhengHei" pitchFamily="34" charset="-120"/>
+              </a:rPr>
+              <a:t> </a:t>
+            </a:r>
+            <a:r>
+              <a:rPr lang="zh-CN" altLang="en-US" sz="4800" b="1" dirty="0" smtClean="0">
+                <a:latin typeface="Microsoft JhengHei" pitchFamily="34" charset="-120"/>
+                <a:ea typeface="Microsoft JhengHei" pitchFamily="34" charset="-120"/>
+              </a:rPr>
+              <a:t>傳</a:t>
             </a:r>
             <a:r>
               <a:rPr lang="zh-CN" altLang="en-US" sz="4800" b="1" dirty="0">
                 <a:latin typeface="Microsoft JhengHei" pitchFamily="34" charset="-120"/>
                 <a:ea typeface="Microsoft JhengHei" pitchFamily="34" charset="-120"/>
               </a:rPr>
-              <a:t>福音的</a:t>
-            </a:r>
+              <a:t>喜訊的人</a:t>
+            </a:r>
+            <a:endParaRPr lang="en-US" sz="4800" b="1" dirty="0">
+              <a:latin typeface="Microsoft JhengHei" pitchFamily="34" charset="-120"/>
+              <a:ea typeface="Microsoft JhengHei" pitchFamily="34" charset="-120"/>
+            </a:endParaRPr>
+          </a:p>
+          <a:p>
+            <a:pPr marL="0" indent="0" algn="ctr">
+              <a:buNone/>
+            </a:pPr>
             <a:r>
               <a:rPr lang="zh-CN" altLang="en-US" sz="4800" b="1" dirty="0">
                 <a:latin typeface="Microsoft JhengHei" pitchFamily="34" charset="-120"/>
                 <a:ea typeface="Microsoft JhengHei" pitchFamily="34" charset="-120"/>
               </a:rPr>
-              <a:t>人</a:t>
-            </a:r>
-            <a:endParaRPr lang="en-US" altLang="zh-CN" sz="4800" b="1" dirty="0">
-              <a:latin typeface="Microsoft JhengHei" pitchFamily="34" charset="-120"/>
-              <a:ea typeface="Microsoft JhengHei" pitchFamily="34" charset="-120"/>
-            </a:endParaRPr>
-          </a:p>
-          <a:p>
-            <a:pPr marL="0" indent="0" algn="ctr">
-              <a:buNone/>
-            </a:pPr>
-            <a:r>
-              <a:rPr lang="zh-CN" altLang="en-US" sz="4800" b="1" dirty="0">
-                <a:latin typeface="Microsoft JhengHei" pitchFamily="34" charset="-120"/>
-                <a:ea typeface="Microsoft JhengHei" pitchFamily="34" charset="-120"/>
-              </a:rPr>
-              <a:t>傳</a:t>
-            </a:r>
-            <a:r>
-              <a:rPr lang="zh-CN" altLang="en-US" sz="4800" b="1" dirty="0">
-                <a:latin typeface="Microsoft JhengHei" pitchFamily="34" charset="-120"/>
-                <a:ea typeface="Microsoft JhengHei" pitchFamily="34" charset="-120"/>
-              </a:rPr>
-              <a:t>喜訊的</a:t>
-            </a:r>
-            <a:r>
-              <a:rPr lang="zh-CN" altLang="en-US" sz="4800" b="1" dirty="0">
-                <a:latin typeface="Microsoft JhengHei" pitchFamily="34" charset="-120"/>
-                <a:ea typeface="Microsoft JhengHei" pitchFamily="34" charset="-120"/>
-              </a:rPr>
-              <a:t>人</a:t>
-            </a:r>
-            <a:endParaRPr lang="en-US" sz="4800" b="1" dirty="0">
-              <a:latin typeface="Microsoft JhengHei" pitchFamily="34" charset="-120"/>
-              <a:ea typeface="Microsoft JhengHei" pitchFamily="34" charset="-120"/>
-            </a:endParaRPr>
-          </a:p>
-          <a:p>
-            <a:pPr marL="0" indent="0" algn="ctr">
-              <a:buNone/>
-            </a:pPr>
-            <a:r>
-              <a:rPr lang="zh-CN" altLang="en-US" sz="4800" b="1" dirty="0">
-                <a:latin typeface="Microsoft JhengHei" pitchFamily="34" charset="-120"/>
-                <a:ea typeface="Microsoft JhengHei" pitchFamily="34" charset="-120"/>
-              </a:rPr>
-              <a:t>他的腳</a:t>
-            </a:r>
-            <a:r>
-              <a:rPr lang="zh-CN" altLang="en-US" sz="4800" b="1" dirty="0">
-                <a:latin typeface="Microsoft JhengHei" pitchFamily="34" charset="-120"/>
-                <a:ea typeface="Microsoft JhengHei" pitchFamily="34" charset="-120"/>
-              </a:rPr>
-              <a:t>蹤  何</a:t>
-            </a:r>
-            <a:r>
-              <a:rPr lang="zh-CN" altLang="en-US" sz="4800" b="1" dirty="0">
-                <a:latin typeface="Microsoft JhengHei" pitchFamily="34" charset="-120"/>
-                <a:ea typeface="Microsoft JhengHei" pitchFamily="34" charset="-120"/>
-              </a:rPr>
-              <a:t>等佳美</a:t>
+              <a:t>他的腳蹤  何等佳美</a:t>
             </a:r>
             <a:endParaRPr lang="en-US" sz="4800" b="1" dirty="0">
               <a:latin typeface="Microsoft JhengHei" pitchFamily="34" charset="-120"/>
@@ -3484,123 +3470,39 @@
                 <a:latin typeface="Microsoft JhengHei" pitchFamily="34" charset="-120"/>
                 <a:ea typeface="Microsoft JhengHei" pitchFamily="34" charset="-120"/>
               </a:rPr>
-              <a:t>到處傳</a:t>
-            </a:r>
+              <a:t>到處傳揚  作主的門徒</a:t>
+            </a:r>
+            <a:endParaRPr lang="en-US" sz="4800" b="1" dirty="0">
+              <a:latin typeface="Microsoft JhengHei" pitchFamily="34" charset="-120"/>
+              <a:ea typeface="Microsoft JhengHei" pitchFamily="34" charset="-120"/>
+            </a:endParaRPr>
+          </a:p>
+          <a:p>
+            <a:pPr marL="0" indent="0" algn="ctr">
+              <a:buNone/>
+            </a:pPr>
             <a:r>
               <a:rPr lang="zh-CN" altLang="en-US" sz="4800" b="1" dirty="0">
                 <a:latin typeface="Microsoft JhengHei" pitchFamily="34" charset="-120"/>
                 <a:ea typeface="Microsoft JhengHei" pitchFamily="34" charset="-120"/>
               </a:rPr>
-              <a:t>揚  作</a:t>
-            </a:r>
+              <a:t>引領憂傷  困苦歸家</a:t>
+            </a:r>
+            <a:endParaRPr lang="en-US" altLang="zh-CN" sz="4800" b="1" dirty="0">
+              <a:latin typeface="Microsoft JhengHei" pitchFamily="34" charset="-120"/>
+              <a:ea typeface="Microsoft JhengHei" pitchFamily="34" charset="-120"/>
+            </a:endParaRPr>
+          </a:p>
+          <a:p>
+            <a:pPr marL="0" indent="0" algn="ctr">
+              <a:buNone/>
+            </a:pPr>
             <a:r>
               <a:rPr lang="zh-CN" altLang="en-US" sz="4800" b="1" dirty="0">
                 <a:latin typeface="Microsoft JhengHei" pitchFamily="34" charset="-120"/>
                 <a:ea typeface="Microsoft JhengHei" pitchFamily="34" charset="-120"/>
               </a:rPr>
-              <a:t>主的門</a:t>
-            </a:r>
-            <a:r>
-              <a:rPr lang="zh-CN" altLang="en-US" sz="4800" b="1" dirty="0">
-                <a:latin typeface="Microsoft JhengHei" pitchFamily="34" charset="-120"/>
-                <a:ea typeface="Microsoft JhengHei" pitchFamily="34" charset="-120"/>
-              </a:rPr>
-              <a:t>徒</a:t>
-            </a:r>
-            <a:endParaRPr lang="en-US" sz="4800" b="1" dirty="0">
-              <a:latin typeface="Microsoft JhengHei" pitchFamily="34" charset="-120"/>
-              <a:ea typeface="Microsoft JhengHei" pitchFamily="34" charset="-120"/>
-            </a:endParaRPr>
-          </a:p>
-          <a:p>
-            <a:pPr marL="0" indent="0" algn="ctr">
-              <a:buNone/>
-            </a:pPr>
-            <a:r>
-              <a:rPr lang="zh-CN" altLang="en-US" sz="4800" b="1" dirty="0">
-                <a:latin typeface="Microsoft JhengHei" pitchFamily="34" charset="-120"/>
-                <a:ea typeface="Microsoft JhengHei" pitchFamily="34" charset="-120"/>
-              </a:rPr>
-              <a:t>引領憂</a:t>
-            </a:r>
-            <a:r>
-              <a:rPr lang="zh-CN" altLang="en-US" sz="4800" b="1" dirty="0">
-                <a:latin typeface="Microsoft JhengHei" pitchFamily="34" charset="-120"/>
-                <a:ea typeface="Microsoft JhengHei" pitchFamily="34" charset="-120"/>
-              </a:rPr>
-              <a:t>傷  困</a:t>
-            </a:r>
-            <a:r>
-              <a:rPr lang="zh-CN" altLang="en-US" sz="4800" b="1" dirty="0">
-                <a:latin typeface="Microsoft JhengHei" pitchFamily="34" charset="-120"/>
-                <a:ea typeface="Microsoft JhengHei" pitchFamily="34" charset="-120"/>
-              </a:rPr>
-              <a:t>苦歸</a:t>
-            </a:r>
-            <a:r>
-              <a:rPr lang="zh-CN" altLang="en-US" sz="4800" b="1" dirty="0">
-                <a:latin typeface="Microsoft JhengHei" pitchFamily="34" charset="-120"/>
-                <a:ea typeface="Microsoft JhengHei" pitchFamily="34" charset="-120"/>
-              </a:rPr>
-              <a:t>家</a:t>
-            </a:r>
-            <a:endParaRPr lang="en-US" altLang="zh-CN" sz="4800" b="1" dirty="0">
-              <a:latin typeface="Microsoft JhengHei" pitchFamily="34" charset="-120"/>
-              <a:ea typeface="Microsoft JhengHei" pitchFamily="34" charset="-120"/>
-            </a:endParaRPr>
-          </a:p>
-          <a:p>
-            <a:pPr marL="0" indent="0" algn="ctr">
-              <a:buNone/>
-            </a:pPr>
-            <a:r>
-              <a:rPr lang="zh-CN" altLang="en-US" sz="4800" b="1" dirty="0">
-                <a:latin typeface="Microsoft JhengHei" pitchFamily="34" charset="-120"/>
-                <a:ea typeface="Microsoft JhengHei" pitchFamily="34" charset="-120"/>
-              </a:rPr>
-              <a:t>讓</a:t>
-            </a:r>
-            <a:r>
-              <a:rPr lang="zh-CN" altLang="en-US" sz="4800" b="1" dirty="0">
-                <a:latin typeface="Microsoft JhengHei" pitchFamily="34" charset="-120"/>
-                <a:ea typeface="Microsoft JhengHei" pitchFamily="34" charset="-120"/>
-              </a:rPr>
-              <a:t>被擄的得釋</a:t>
-            </a:r>
-            <a:r>
-              <a:rPr lang="zh-CN" altLang="en-US" sz="4800" b="1" dirty="0">
-                <a:latin typeface="Microsoft JhengHei" pitchFamily="34" charset="-120"/>
-                <a:ea typeface="Microsoft JhengHei" pitchFamily="34" charset="-120"/>
-              </a:rPr>
-              <a:t>放</a:t>
-            </a:r>
-            <a:r>
-              <a:rPr lang="zh-CN" altLang="en-US" sz="4800" b="1" dirty="0">
-                <a:latin typeface="Microsoft JhengHei" pitchFamily="34" charset="-120"/>
-                <a:ea typeface="Microsoft JhengHei" pitchFamily="34" charset="-120"/>
-              </a:rPr>
-              <a:t> </a:t>
-            </a:r>
-            <a:r>
-              <a:rPr lang="zh-CN" altLang="en-US" sz="4800" b="1" dirty="0">
-                <a:latin typeface="Microsoft JhengHei" pitchFamily="34" charset="-120"/>
-                <a:ea typeface="Microsoft JhengHei" pitchFamily="34" charset="-120"/>
-              </a:rPr>
-              <a:t> 瞎</a:t>
-            </a:r>
-            <a:r>
-              <a:rPr lang="zh-CN" altLang="en-US" sz="4800" b="1" dirty="0">
-                <a:latin typeface="Microsoft JhengHei" pitchFamily="34" charset="-120"/>
-                <a:ea typeface="Microsoft JhengHei" pitchFamily="34" charset="-120"/>
-              </a:rPr>
-              <a:t>眼的得看</a:t>
-            </a:r>
-            <a:r>
-              <a:rPr lang="zh-CN" altLang="en-US" sz="4800" b="1" dirty="0">
-                <a:latin typeface="Microsoft JhengHei" pitchFamily="34" charset="-120"/>
-                <a:ea typeface="Microsoft JhengHei" pitchFamily="34" charset="-120"/>
-              </a:rPr>
-              <a:t>見</a:t>
+              <a:t>讓被擄的得釋放  瞎眼的得看見</a:t>
             </a:r>
             <a:endParaRPr lang="en-US" sz="4800" b="1" dirty="0">
               <a:latin typeface="Microsoft JhengHei" pitchFamily="34" charset="-120"/>
